--- a/memoria/POSTER GilPablo.pptx
+++ b/memoria/POSTER GilPablo.pptx
@@ -255,7 +255,7 @@
             <a:fld id="{8A07BBCF-1105-4BCC-BC52-60A08BDE5682}" type="datetimeFigureOut">
               <a:rPr lang="es-ES" smtClean="0"/>
               <a:pPr/>
-              <a:t>14/06/2023</a:t>
+              <a:t>15/06/2023</a:t>
             </a:fld>
             <a:endParaRPr lang="es-ES"/>
           </a:p>
@@ -427,7 +427,7 @@
             <a:fld id="{8A07BBCF-1105-4BCC-BC52-60A08BDE5682}" type="datetimeFigureOut">
               <a:rPr lang="es-ES" smtClean="0"/>
               <a:pPr/>
-              <a:t>14/06/2023</a:t>
+              <a:t>15/06/2023</a:t>
             </a:fld>
             <a:endParaRPr lang="es-ES"/>
           </a:p>
@@ -609,7 +609,7 @@
             <a:fld id="{8A07BBCF-1105-4BCC-BC52-60A08BDE5682}" type="datetimeFigureOut">
               <a:rPr lang="es-ES" smtClean="0"/>
               <a:pPr/>
-              <a:t>14/06/2023</a:t>
+              <a:t>15/06/2023</a:t>
             </a:fld>
             <a:endParaRPr lang="es-ES"/>
           </a:p>
@@ -781,7 +781,7 @@
             <a:fld id="{8A07BBCF-1105-4BCC-BC52-60A08BDE5682}" type="datetimeFigureOut">
               <a:rPr lang="es-ES" smtClean="0"/>
               <a:pPr/>
-              <a:t>14/06/2023</a:t>
+              <a:t>15/06/2023</a:t>
             </a:fld>
             <a:endParaRPr lang="es-ES"/>
           </a:p>
@@ -1027,7 +1027,7 @@
             <a:fld id="{8A07BBCF-1105-4BCC-BC52-60A08BDE5682}" type="datetimeFigureOut">
               <a:rPr lang="es-ES" smtClean="0"/>
               <a:pPr/>
-              <a:t>14/06/2023</a:t>
+              <a:t>15/06/2023</a:t>
             </a:fld>
             <a:endParaRPr lang="es-ES"/>
           </a:p>
@@ -1261,7 +1261,7 @@
             <a:fld id="{8A07BBCF-1105-4BCC-BC52-60A08BDE5682}" type="datetimeFigureOut">
               <a:rPr lang="es-ES" smtClean="0"/>
               <a:pPr/>
-              <a:t>14/06/2023</a:t>
+              <a:t>15/06/2023</a:t>
             </a:fld>
             <a:endParaRPr lang="es-ES"/>
           </a:p>
@@ -1630,7 +1630,7 @@
             <a:fld id="{8A07BBCF-1105-4BCC-BC52-60A08BDE5682}" type="datetimeFigureOut">
               <a:rPr lang="es-ES" smtClean="0"/>
               <a:pPr/>
-              <a:t>14/06/2023</a:t>
+              <a:t>15/06/2023</a:t>
             </a:fld>
             <a:endParaRPr lang="es-ES"/>
           </a:p>
@@ -1750,7 +1750,7 @@
             <a:fld id="{8A07BBCF-1105-4BCC-BC52-60A08BDE5682}" type="datetimeFigureOut">
               <a:rPr lang="es-ES" smtClean="0"/>
               <a:pPr/>
-              <a:t>14/06/2023</a:t>
+              <a:t>15/06/2023</a:t>
             </a:fld>
             <a:endParaRPr lang="es-ES"/>
           </a:p>
@@ -1847,7 +1847,7 @@
             <a:fld id="{8A07BBCF-1105-4BCC-BC52-60A08BDE5682}" type="datetimeFigureOut">
               <a:rPr lang="es-ES" smtClean="0"/>
               <a:pPr/>
-              <a:t>14/06/2023</a:t>
+              <a:t>15/06/2023</a:t>
             </a:fld>
             <a:endParaRPr lang="es-ES"/>
           </a:p>
@@ -2126,7 +2126,7 @@
             <a:fld id="{8A07BBCF-1105-4BCC-BC52-60A08BDE5682}" type="datetimeFigureOut">
               <a:rPr lang="es-ES" smtClean="0"/>
               <a:pPr/>
-              <a:t>14/06/2023</a:t>
+              <a:t>15/06/2023</a:t>
             </a:fld>
             <a:endParaRPr lang="es-ES"/>
           </a:p>
@@ -2385,7 +2385,7 @@
             <a:fld id="{8A07BBCF-1105-4BCC-BC52-60A08BDE5682}" type="datetimeFigureOut">
               <a:rPr lang="es-ES" smtClean="0"/>
               <a:pPr/>
-              <a:t>14/06/2023</a:t>
+              <a:t>15/06/2023</a:t>
             </a:fld>
             <a:endParaRPr lang="es-ES"/>
           </a:p>
@@ -2600,7 +2600,7 @@
             <a:fld id="{8A07BBCF-1105-4BCC-BC52-60A08BDE5682}" type="datetimeFigureOut">
               <a:rPr lang="es-ES" smtClean="0"/>
               <a:pPr/>
-              <a:t>14/06/2023</a:t>
+              <a:t>15/06/2023</a:t>
             </a:fld>
             <a:endParaRPr lang="es-ES"/>
           </a:p>
@@ -3028,7 +3028,7 @@
         </p:blipFill>
         <p:spPr>
           <a:xfrm rot="5400000">
-            <a:off x="-4573336" y="4623571"/>
+            <a:off x="-4508286" y="4641690"/>
             <a:ext cx="37022469" cy="27766852"/>
           </a:xfrm>
           <a:prstGeom prst="rect">
@@ -3483,8 +3483,8 @@
         </p:nvSpPr>
         <p:spPr bwMode="auto">
           <a:xfrm>
-            <a:off x="1035272" y="30881831"/>
-            <a:ext cx="12684514" cy="3416320"/>
+            <a:off x="1035272" y="30512499"/>
+            <a:ext cx="12684514" cy="4154984"/>
           </a:xfrm>
           <a:prstGeom prst="rect">
             <a:avLst/>
@@ -3536,41 +3536,16 @@
                 <a:ea typeface="Calibri" pitchFamily="34" charset="0"/>
                 <a:cs typeface="Times New Roman" pitchFamily="18" charset="0"/>
               </a:rPr>
-              <a:t> Puesta en valor del Proyecto</a:t>
-            </a:r>
-            <a:r>
-              <a:rPr kumimoji="0" lang="es-ES" sz="2400" b="0" i="0" u="none" strike="noStrike" cap="none" normalizeH="0" baseline="0" dirty="0">
-                <a:ln>
-                  <a:noFill/>
-                </a:ln>
-                <a:solidFill>
-                  <a:schemeClr val="tx1"/>
-                </a:solidFill>
-                <a:effectLst/>
+              <a:t> El valor y coste económico de este proyecto a nivel de horas de uso, es una preparación de todas las tarde durante má</a:t>
+            </a:r>
+            <a:r>
+              <a:rPr lang="es-ES" sz="2400" dirty="0">
                 <a:latin typeface="Myriad Pro" panose="020B0503030403020204" pitchFamily="34" charset="0"/>
                 <a:ea typeface="Calibri" pitchFamily="34" charset="0"/>
                 <a:cs typeface="Times New Roman" pitchFamily="18" charset="0"/>
               </a:rPr>
-              <a:t>.</a:t>
-            </a:r>
-          </a:p>
-          <a:p>
-            <a:pPr marL="0" marR="0" lvl="0" indent="0" algn="just" defTabSz="914400" rtl="0" eaLnBrk="1" fontAlgn="base" latinLnBrk="0" hangingPunct="1">
-              <a:lnSpc>
-                <a:spcPct val="100000"/>
-              </a:lnSpc>
-              <a:spcBef>
-                <a:spcPct val="0"/>
-              </a:spcBef>
-              <a:spcAft>
-                <a:spcPct val="0"/>
-              </a:spcAft>
-              <a:buClrTx/>
-              <a:buSzTx/>
-              <a:buFontTx/>
-              <a:buChar char="•"/>
-              <a:tabLst/>
-            </a:pPr>
+              <a:t>s de un mes y medio. En cuanto a material, dispongo de conexión a internet, un ordenador de mesa y un portátil.</a:t>
+            </a:r>
             <a:endParaRPr kumimoji="0" lang="es-ES" sz="2400" b="0" i="0" u="none" strike="noStrike" cap="none" normalizeH="0" baseline="0" dirty="0">
               <a:ln>
                 <a:noFill/>
@@ -3583,39 +3558,6 @@
               <a:ea typeface="Calibri" pitchFamily="34" charset="0"/>
               <a:cs typeface="Times New Roman" pitchFamily="18" charset="0"/>
             </a:endParaRPr>
-          </a:p>
-          <a:p>
-            <a:pPr marL="0" marR="0" lvl="0" indent="0" algn="just" defTabSz="914400" rtl="0" eaLnBrk="1" fontAlgn="base" latinLnBrk="0" hangingPunct="1">
-              <a:lnSpc>
-                <a:spcPct val="100000"/>
-              </a:lnSpc>
-              <a:spcBef>
-                <a:spcPct val="0"/>
-              </a:spcBef>
-              <a:spcAft>
-                <a:spcPct val="0"/>
-              </a:spcAft>
-              <a:buClrTx/>
-              <a:buSzTx/>
-              <a:buFontTx/>
-              <a:buChar char="•"/>
-              <a:tabLst/>
-            </a:pPr>
-            <a:r>
-              <a:rPr kumimoji="0" lang="es-ES" sz="2400" b="0" i="0" u="none" strike="noStrike" cap="none" normalizeH="0" baseline="0" dirty="0">
-                <a:ln>
-                  <a:noFill/>
-                </a:ln>
-                <a:solidFill>
-                  <a:schemeClr val="tx1"/>
-                </a:solidFill>
-                <a:effectLst/>
-                <a:latin typeface="Myriad Pro" panose="020B0503030403020204" pitchFamily="34" charset="0"/>
-                <a:ea typeface="Calibri" pitchFamily="34" charset="0"/>
-                <a:cs typeface="Times New Roman" pitchFamily="18" charset="0"/>
-              </a:rPr>
-              <a:t>Coste económico</a:t>
-            </a:r>
           </a:p>
           <a:p>
             <a:pPr marL="0" marR="0" lvl="0" indent="0" algn="just" defTabSz="914400" rtl="0" eaLnBrk="1" fontAlgn="base" latinLnBrk="0" hangingPunct="1">
@@ -3669,23 +3611,20 @@
                 <a:ea typeface="Calibri" pitchFamily="34" charset="0"/>
                 <a:cs typeface="Times New Roman" pitchFamily="18" charset="0"/>
               </a:rPr>
-              <a:t> Reflejo de innovación del Proyecto</a:t>
-            </a:r>
-            <a:r>
-              <a:rPr kumimoji="0" lang="es-ES" sz="2400" b="0" i="0" u="none" strike="noStrike" cap="none" normalizeH="0" baseline="0" dirty="0">
-                <a:ln>
-                  <a:noFill/>
-                </a:ln>
-                <a:solidFill>
-                  <a:schemeClr val="tx1"/>
-                </a:solidFill>
-                <a:effectLst/>
-                <a:latin typeface="Myriad Pro" panose="020B0503030403020204" pitchFamily="34" charset="0"/>
-                <a:ea typeface="Calibri" pitchFamily="34" charset="0"/>
-                <a:cs typeface="Times New Roman" pitchFamily="18" charset="0"/>
-              </a:rPr>
-              <a:t>.</a:t>
-            </a:r>
+              <a:t> Es una idea que no he visto o he utilizado nunca, asique creo que pueda funcionar bien.</a:t>
+            </a:r>
+            <a:endParaRPr kumimoji="0" lang="es-ES" sz="2400" b="0" i="0" u="none" strike="noStrike" cap="none" normalizeH="0" baseline="0" dirty="0">
+              <a:ln>
+                <a:noFill/>
+              </a:ln>
+              <a:solidFill>
+                <a:schemeClr val="tx1"/>
+              </a:solidFill>
+              <a:effectLst/>
+              <a:latin typeface="Myriad Pro" panose="020B0503030403020204" pitchFamily="34" charset="0"/>
+              <a:ea typeface="Calibri" pitchFamily="34" charset="0"/>
+              <a:cs typeface="Times New Roman" pitchFamily="18" charset="0"/>
+            </a:endParaRPr>
           </a:p>
           <a:p>
             <a:pPr marL="0" marR="0" lvl="0" indent="0" algn="just" defTabSz="914400" rtl="0" eaLnBrk="0" fontAlgn="base" latinLnBrk="0" hangingPunct="0">
@@ -3738,7 +3677,7 @@
                 <a:latin typeface="Myriad Pro" panose="020B0503030403020204" pitchFamily="34" charset="0"/>
                 <a:cs typeface="Times New Roman" pitchFamily="18" charset="0"/>
               </a:rPr>
-              <a:t>Mejoras que se pueden realizar en el Proyecto</a:t>
+              <a:t>Tengo en mente mejoras como la creación automática de conjuntas con algún algoritmo o poder compartir tus cosas.</a:t>
             </a:r>
           </a:p>
           <a:p>
@@ -3793,22 +3732,7 @@
                 <a:ea typeface="Calibri" pitchFamily="34" charset="0"/>
                 <a:cs typeface="Times New Roman" pitchFamily="18" charset="0"/>
               </a:rPr>
-              <a:t> Dificultades encontradas en su elaboración</a:t>
-            </a:r>
-            <a:r>
-              <a:rPr kumimoji="0" lang="es-ES" sz="2400" b="0" i="0" u="none" strike="noStrike" cap="none" normalizeH="0" baseline="0" dirty="0">
-                <a:ln>
-                  <a:noFill/>
-                </a:ln>
-                <a:solidFill>
-                  <a:schemeClr val="tx1"/>
-                </a:solidFill>
-                <a:effectLst/>
-                <a:latin typeface="Myriad Pro" panose="020B0503030403020204" pitchFamily="34" charset="0"/>
-                <a:ea typeface="Calibri" pitchFamily="34" charset="0"/>
-                <a:cs typeface="Times New Roman" pitchFamily="18" charset="0"/>
-              </a:rPr>
-              <a:t>.</a:t>
+              <a:t> No he encontrado muchas dificultades, solo que a veces he estado horas enganchado en el momento de coger algún dato de la base de datos.</a:t>
             </a:r>
             <a:endParaRPr kumimoji="0" lang="es-ES" sz="2400" b="0" i="0" u="none" strike="noStrike" cap="none" normalizeH="0" baseline="0" dirty="0">
               <a:ln>
@@ -4231,7 +4155,7 @@
                 <a:latin typeface="Myriad Pro" panose="020B0503030403020204" pitchFamily="34" charset="0"/>
                 <a:cs typeface="Times New Roman" pitchFamily="18" charset="0"/>
               </a:rPr>
-              <a:t>Descripción foto detalle 1</a:t>
+              <a:t>Añadir prenda</a:t>
             </a:r>
           </a:p>
           <a:p>
@@ -4256,7 +4180,7 @@
                 <a:latin typeface="Myriad Pro" panose="020B0503030403020204" pitchFamily="34" charset="0"/>
                 <a:cs typeface="Times New Roman" pitchFamily="18" charset="0"/>
               </a:rPr>
-              <a:t>Descripción foto detalle 2</a:t>
+              <a:t>Ver/editar/borrar prenda</a:t>
             </a:r>
           </a:p>
           <a:p>
@@ -4281,7 +4205,7 @@
                 <a:latin typeface="Myriad Pro" panose="020B0503030403020204" pitchFamily="34" charset="0"/>
                 <a:cs typeface="Times New Roman" pitchFamily="18" charset="0"/>
               </a:rPr>
-              <a:t>Descripción foto detalle 3</a:t>
+              <a:t>Filtrar/buscar prenda</a:t>
             </a:r>
           </a:p>
         </p:txBody>
@@ -5372,8 +5296,8 @@
         </p:nvSpPr>
         <p:spPr bwMode="auto">
           <a:xfrm>
-            <a:off x="14911011" y="29786446"/>
-            <a:ext cx="8835856" cy="2062103"/>
+            <a:off x="14911010" y="29953156"/>
+            <a:ext cx="8835856" cy="2985433"/>
           </a:xfrm>
           <a:prstGeom prst="rect">
             <a:avLst/>
@@ -5466,26 +5390,7 @@
                 <a:latin typeface="Myriad Pro" panose="020B0503030403020204" pitchFamily="34" charset="0"/>
                 <a:cs typeface="Miriam Fixed" pitchFamily="49" charset="-79"/>
               </a:rPr>
-              <a:t>Breve reseña e de otros proyectos similares que se hayan encontrado o que existan en el mercado.</a:t>
-            </a:r>
-          </a:p>
-          <a:p>
-            <a:pPr marL="342900" indent="-342900" algn="just" defTabSz="914400" fontAlgn="base">
-              <a:spcBef>
-                <a:spcPct val="0"/>
-              </a:spcBef>
-              <a:spcAft>
-                <a:spcPct val="0"/>
-              </a:spcAft>
-              <a:buFontTx/>
-              <a:buChar char="-"/>
-            </a:pPr>
-            <a:r>
-              <a:rPr lang="es-ES" sz="2000" dirty="0">
-                <a:latin typeface="Myriad Pro" panose="020B0503030403020204" pitchFamily="34" charset="0"/>
-                <a:cs typeface="Miriam Fixed" pitchFamily="49" charset="-79"/>
-              </a:rPr>
-              <a:t>...</a:t>
+              <a:t>No he buscado proyectos similares porque desconozco si existen</a:t>
             </a:r>
           </a:p>
           <a:p>
@@ -5505,6 +5410,55 @@
             </a:endParaRPr>
           </a:p>
           <a:p>
+            <a:pPr marL="342900" indent="-342900" algn="just" defTabSz="914400" fontAlgn="base">
+              <a:spcBef>
+                <a:spcPct val="0"/>
+              </a:spcBef>
+              <a:spcAft>
+                <a:spcPct val="0"/>
+              </a:spcAft>
+              <a:buFontTx/>
+              <a:buChar char="-"/>
+            </a:pPr>
+            <a:r>
+              <a:rPr lang="es-ES" sz="2000" dirty="0">
+                <a:latin typeface="Myriad Pro" panose="020B0503030403020204" pitchFamily="34" charset="0"/>
+                <a:cs typeface="Miriam Fixed" pitchFamily="49" charset="-79"/>
+              </a:rPr>
+              <a:t>Si que he tomado referencias en tiendas de ropa online como por ejemplo </a:t>
+            </a:r>
+            <a:r>
+              <a:rPr lang="es-ES" sz="2000" dirty="0" err="1">
+                <a:latin typeface="Myriad Pro" panose="020B0503030403020204" pitchFamily="34" charset="0"/>
+                <a:cs typeface="Miriam Fixed" pitchFamily="49" charset="-79"/>
+              </a:rPr>
+              <a:t>Zalando</a:t>
+            </a:r>
+            <a:r>
+              <a:rPr lang="es-ES" sz="2000" dirty="0">
+                <a:latin typeface="Myriad Pro" panose="020B0503030403020204" pitchFamily="34" charset="0"/>
+                <a:cs typeface="Miriam Fixed" pitchFamily="49" charset="-79"/>
+              </a:rPr>
+              <a:t> para tener ayuda a la hora de estructurar bien la pagina web con los menús y los datos que recopilar</a:t>
+            </a:r>
+          </a:p>
+          <a:p>
+            <a:pPr marL="342900" indent="-342900" algn="just" defTabSz="914400" fontAlgn="base">
+              <a:spcBef>
+                <a:spcPct val="0"/>
+              </a:spcBef>
+              <a:spcAft>
+                <a:spcPct val="0"/>
+              </a:spcAft>
+              <a:buFontTx/>
+              <a:buChar char="-"/>
+            </a:pPr>
+            <a:endParaRPr lang="es-ES" sz="2000" dirty="0">
+              <a:latin typeface="Myriad Pro" panose="020B0503030403020204" pitchFamily="34" charset="0"/>
+              <a:cs typeface="Miriam Fixed" pitchFamily="49" charset="-79"/>
+            </a:endParaRPr>
+          </a:p>
+          <a:p>
             <a:pPr algn="just" defTabSz="914400" fontAlgn="base">
               <a:spcBef>
                 <a:spcPct val="0"/>
@@ -5746,8 +5700,8 @@
         </p:nvSpPr>
         <p:spPr>
           <a:xfrm>
-            <a:off x="15004348" y="32684632"/>
-            <a:ext cx="7603958" cy="400110"/>
+            <a:off x="14956879" y="33520060"/>
+            <a:ext cx="7603958" cy="707886"/>
           </a:xfrm>
           <a:prstGeom prst="rect">
             <a:avLst/>
@@ -5764,7 +5718,7 @@
               <a:rPr lang="es-ES" sz="2000" dirty="0">
                 <a:latin typeface="Myriad Pro" panose="020B0503030403020204" pitchFamily="34" charset="0"/>
               </a:rPr>
-              <a:t>- Descripción del Plan de Futuro de este proyecto.</a:t>
+              <a:t>- El futuro de este proyecto es seguir implementado mejoras funcionales y que este en continuo desarrollo.</a:t>
             </a:r>
           </a:p>
         </p:txBody>
@@ -5825,122 +5779,6 @@
       </p:pic>
       <p:sp>
         <p:nvSpPr>
-          <p:cNvPr id="10" name="9 CuadroTexto"/>
-          <p:cNvSpPr txBox="1"/>
-          <p:nvPr/>
-        </p:nvSpPr>
-        <p:spPr>
-          <a:xfrm>
-            <a:off x="10502305" y="24580031"/>
-            <a:ext cx="5239957" cy="3652025"/>
-          </a:xfrm>
-          <a:prstGeom prst="rect">
-            <a:avLst/>
-          </a:prstGeom>
-          <a:noFill/>
-        </p:spPr>
-        <p:txBody>
-          <a:bodyPr wrap="square" rtlCol="0">
-            <a:spAutoFit/>
-          </a:bodyPr>
-          <a:lstStyle/>
-          <a:p>
-            <a:r>
-              <a:rPr lang="es-ES" dirty="0"/>
-              <a:t>Fotografía genérica del Proyecto  en funcionamiento</a:t>
-            </a:r>
-          </a:p>
-        </p:txBody>
-      </p:sp>
-      <p:sp>
-        <p:nvSpPr>
-          <p:cNvPr id="11" name="10 CuadroTexto"/>
-          <p:cNvSpPr txBox="1"/>
-          <p:nvPr/>
-        </p:nvSpPr>
-        <p:spPr>
-          <a:xfrm>
-            <a:off x="21355049" y="24941907"/>
-            <a:ext cx="2391817" cy="982257"/>
-          </a:xfrm>
-          <a:prstGeom prst="rect">
-            <a:avLst/>
-          </a:prstGeom>
-          <a:noFill/>
-        </p:spPr>
-        <p:txBody>
-          <a:bodyPr wrap="square" rtlCol="0">
-            <a:spAutoFit/>
-          </a:bodyPr>
-          <a:lstStyle/>
-          <a:p>
-            <a:r>
-              <a:rPr lang="es-ES" dirty="0"/>
-              <a:t>FOTO1</a:t>
-            </a:r>
-          </a:p>
-        </p:txBody>
-      </p:sp>
-      <p:sp>
-        <p:nvSpPr>
-          <p:cNvPr id="15" name="14 CuadroTexto"/>
-          <p:cNvSpPr txBox="1"/>
-          <p:nvPr/>
-        </p:nvSpPr>
-        <p:spPr>
-          <a:xfrm>
-            <a:off x="21355050" y="25989426"/>
-            <a:ext cx="2391817" cy="982257"/>
-          </a:xfrm>
-          <a:prstGeom prst="rect">
-            <a:avLst/>
-          </a:prstGeom>
-          <a:noFill/>
-        </p:spPr>
-        <p:txBody>
-          <a:bodyPr wrap="square" rtlCol="0">
-            <a:spAutoFit/>
-          </a:bodyPr>
-          <a:lstStyle/>
-          <a:p>
-            <a:r>
-              <a:rPr lang="es-ES" dirty="0"/>
-              <a:t>FOTO2</a:t>
-            </a:r>
-          </a:p>
-        </p:txBody>
-      </p:sp>
-      <p:sp>
-        <p:nvSpPr>
-          <p:cNvPr id="17" name="16 CuadroTexto"/>
-          <p:cNvSpPr txBox="1"/>
-          <p:nvPr/>
-        </p:nvSpPr>
-        <p:spPr>
-          <a:xfrm>
-            <a:off x="21431250" y="27071089"/>
-            <a:ext cx="2239416" cy="982257"/>
-          </a:xfrm>
-          <a:prstGeom prst="rect">
-            <a:avLst/>
-          </a:prstGeom>
-          <a:noFill/>
-        </p:spPr>
-        <p:txBody>
-          <a:bodyPr wrap="square" rtlCol="0">
-            <a:spAutoFit/>
-          </a:bodyPr>
-          <a:lstStyle/>
-          <a:p>
-            <a:r>
-              <a:rPr lang="es-ES" dirty="0"/>
-              <a:t>FOTO3</a:t>
-            </a:r>
-          </a:p>
-        </p:txBody>
-      </p:sp>
-      <p:sp>
-        <p:nvSpPr>
           <p:cNvPr id="18" name="17 CuadroTexto"/>
           <p:cNvSpPr txBox="1"/>
           <p:nvPr/>
@@ -6578,8 +6416,8 @@
         </p:blipFill>
         <p:spPr>
           <a:xfrm>
-            <a:off x="16563960" y="20176970"/>
-            <a:ext cx="7182906" cy="3577199"/>
+            <a:off x="16563960" y="20260868"/>
+            <a:ext cx="7182906" cy="3493301"/>
           </a:xfrm>
           <a:prstGeom prst="rect">
             <a:avLst/>
@@ -6868,6 +6706,150 @@
           <a:xfrm>
             <a:off x="10387170" y="20415955"/>
             <a:ext cx="1235308" cy="3159795"/>
+          </a:xfrm>
+          <a:prstGeom prst="rect">
+            <a:avLst/>
+          </a:prstGeom>
+        </p:spPr>
+      </p:pic>
+      <p:pic>
+        <p:nvPicPr>
+          <p:cNvPr id="5" name="Imagen 4">
+            <a:extLst>
+              <a:ext uri="{FF2B5EF4-FFF2-40B4-BE49-F238E27FC236}">
+                <a16:creationId xmlns:a16="http://schemas.microsoft.com/office/drawing/2014/main" id="{0447F3E8-85BE-9874-B285-F74311DCDB4A}"/>
+              </a:ext>
+            </a:extLst>
+          </p:cNvPr>
+          <p:cNvPicPr>
+            <a:picLocks noChangeAspect="1"/>
+          </p:cNvPicPr>
+          <p:nvPr/>
+        </p:nvPicPr>
+        <p:blipFill>
+          <a:blip r:embed="rId16" cstate="print">
+            <a:extLst>
+              <a:ext uri="{28A0092B-C50C-407E-A947-70E740481C1C}">
+                <a14:useLocalDpi xmlns:a14="http://schemas.microsoft.com/office/drawing/2010/main" val="0"/>
+              </a:ext>
+            </a:extLst>
+          </a:blip>
+          <a:stretch>
+            <a:fillRect/>
+          </a:stretch>
+        </p:blipFill>
+        <p:spPr>
+          <a:xfrm>
+            <a:off x="20776359" y="23891362"/>
+            <a:ext cx="3028608" cy="1541814"/>
+          </a:xfrm>
+          <a:prstGeom prst="rect">
+            <a:avLst/>
+          </a:prstGeom>
+        </p:spPr>
+      </p:pic>
+      <p:pic>
+        <p:nvPicPr>
+          <p:cNvPr id="8" name="Imagen 7">
+            <a:extLst>
+              <a:ext uri="{FF2B5EF4-FFF2-40B4-BE49-F238E27FC236}">
+                <a16:creationId xmlns:a16="http://schemas.microsoft.com/office/drawing/2014/main" id="{0B7805FF-5C65-9D83-5F93-33E5A6B9B423}"/>
+              </a:ext>
+            </a:extLst>
+          </p:cNvPr>
+          <p:cNvPicPr>
+            <a:picLocks noChangeAspect="1"/>
+          </p:cNvPicPr>
+          <p:nvPr/>
+        </p:nvPicPr>
+        <p:blipFill>
+          <a:blip r:embed="rId17">
+            <a:extLst>
+              <a:ext uri="{28A0092B-C50C-407E-A947-70E740481C1C}">
+                <a14:useLocalDpi xmlns:a14="http://schemas.microsoft.com/office/drawing/2010/main" val="0"/>
+              </a:ext>
+            </a:extLst>
+          </a:blip>
+          <a:stretch>
+            <a:fillRect/>
+          </a:stretch>
+        </p:blipFill>
+        <p:spPr>
+          <a:xfrm>
+            <a:off x="10064927" y="24448119"/>
+            <a:ext cx="6171029" cy="3950874"/>
+          </a:xfrm>
+          <a:prstGeom prst="rect">
+            <a:avLst/>
+          </a:prstGeom>
+        </p:spPr>
+      </p:pic>
+      <p:pic>
+        <p:nvPicPr>
+          <p:cNvPr id="19" name="Imagen 18">
+            <a:extLst>
+              <a:ext uri="{FF2B5EF4-FFF2-40B4-BE49-F238E27FC236}">
+                <a16:creationId xmlns:a16="http://schemas.microsoft.com/office/drawing/2014/main" id="{63D86889-AC96-E50D-842E-4E28683D96A1}"/>
+              </a:ext>
+            </a:extLst>
+          </p:cNvPr>
+          <p:cNvPicPr>
+            <a:picLocks noChangeAspect="1"/>
+          </p:cNvPicPr>
+          <p:nvPr/>
+        </p:nvPicPr>
+        <p:blipFill>
+          <a:blip r:embed="rId18" cstate="print">
+            <a:extLst>
+              <a:ext uri="{28A0092B-C50C-407E-A947-70E740481C1C}">
+                <a14:useLocalDpi xmlns:a14="http://schemas.microsoft.com/office/drawing/2010/main" val="0"/>
+              </a:ext>
+            </a:extLst>
+          </a:blip>
+          <a:stretch>
+            <a:fillRect/>
+          </a:stretch>
+        </p:blipFill>
+        <p:spPr>
+          <a:xfrm>
+            <a:off x="21110358" y="25652649"/>
+            <a:ext cx="3081967" cy="1541814"/>
+          </a:xfrm>
+          <a:prstGeom prst="rect">
+            <a:avLst/>
+          </a:prstGeom>
+        </p:spPr>
+      </p:pic>
+      <p:pic>
+        <p:nvPicPr>
+          <p:cNvPr id="25" name="Imagen 24">
+            <a:extLst>
+              <a:ext uri="{FF2B5EF4-FFF2-40B4-BE49-F238E27FC236}">
+                <a16:creationId xmlns:a16="http://schemas.microsoft.com/office/drawing/2014/main" id="{9BA2853E-1884-1583-10FE-039E7F318963}"/>
+              </a:ext>
+            </a:extLst>
+          </p:cNvPr>
+          <p:cNvPicPr>
+            <a:picLocks noChangeAspect="1"/>
+          </p:cNvPicPr>
+          <p:nvPr/>
+        </p:nvPicPr>
+        <p:blipFill>
+          <a:blip r:embed="rId19" cstate="print">
+            <a:extLst>
+              <a:ext uri="{28A0092B-C50C-407E-A947-70E740481C1C}">
+                <a14:useLocalDpi xmlns:a14="http://schemas.microsoft.com/office/drawing/2010/main" val="0"/>
+              </a:ext>
+            </a:extLst>
+          </a:blip>
+          <a:stretch>
+            <a:fillRect/>
+          </a:stretch>
+        </p:blipFill>
+        <p:spPr>
+          <a:xfrm>
+            <a:off x="20790938" y="27259639"/>
+            <a:ext cx="3339570" cy="1671788"/>
           </a:xfrm>
           <a:prstGeom prst="rect">
             <a:avLst/>
